--- a/docs/SoCplatform_Integration_Manual.pptx
+++ b/docs/SoCplatform_Integration_Manual.pptx
@@ -5,10 +5,10 @@
     <p:sldMasterId id="2147483648" r:id="rId1"/>
   </p:sldMasterIdLst>
   <p:notesMasterIdLst>
-    <p:notesMasterId r:id="rId15"/>
+    <p:notesMasterId r:id="rId16"/>
   </p:notesMasterIdLst>
   <p:handoutMasterIdLst>
-    <p:handoutMasterId r:id="rId16"/>
+    <p:handoutMasterId r:id="rId17"/>
   </p:handoutMasterIdLst>
   <p:sldIdLst>
     <p:sldId id="256" r:id="rId3"/>
@@ -23,6 +23,7 @@
     <p:sldId id="486" r:id="rId12"/>
     <p:sldId id="485" r:id="rId13"/>
     <p:sldId id="487" r:id="rId14"/>
+    <p:sldId id="490" r:id="rId15"/>
   </p:sldIdLst>
   <p:sldSz cx="9144000" cy="5143500" type="screen16x9"/>
   <p:notesSz cx="6954520" cy="9309100"/>
@@ -3692,8 +3693,8 @@
         </p:blipFill>
         <p:spPr>
           <a:xfrm>
-            <a:off x="7467600" y="4538980"/>
-            <a:ext cx="840740" cy="300355"/>
+            <a:off x="7239000" y="4461510"/>
+            <a:ext cx="1260475" cy="450215"/>
           </a:xfrm>
           <a:prstGeom prst="rect">
             <a:avLst/>
@@ -4473,6 +4474,172 @@
 </p:sld>
 </file>
 
+<file path=ppt/slides/slide13.xml><?xml version="1.0" encoding="utf-8"?>
+<p:sld xmlns:a="http://schemas.openxmlformats.org/drawingml/2006/main" xmlns:r="http://schemas.openxmlformats.org/officeDocument/2006/relationships" xmlns:p="http://schemas.openxmlformats.org/presentationml/2006/main">
+  <p:cSld>
+    <p:bg>
+      <p:bgPr>
+        <a:solidFill>
+          <a:schemeClr val="bg1"/>
+        </a:solidFill>
+        <a:effectLst/>
+      </p:bgPr>
+    </p:bg>
+    <p:spTree>
+      <p:nvGrpSpPr>
+        <p:cNvPr id="1" name=""/>
+        <p:cNvGrpSpPr/>
+        <p:nvPr/>
+      </p:nvGrpSpPr>
+      <p:grpSpPr>
+        <a:xfrm>
+          <a:off x="0" y="0"/>
+          <a:ext cx="0" cy="0"/>
+          <a:chOff x="0" y="0"/>
+          <a:chExt cx="0" cy="0"/>
+        </a:xfrm>
+      </p:grpSpPr>
+      <p:sp>
+        <p:nvSpPr>
+          <p:cNvPr id="3" name="Subtitle 2"/>
+          <p:cNvSpPr>
+            <a:spLocks noGrp="1"/>
+          </p:cNvSpPr>
+          <p:nvPr>
+            <p:ph type="subTitle" idx="1"/>
+          </p:nvPr>
+        </p:nvSpPr>
+        <p:spPr>
+          <a:xfrm>
+            <a:off x="381000" y="590550"/>
+            <a:ext cx="8479123" cy="2667001"/>
+          </a:xfrm>
+        </p:spPr>
+        <p:txBody>
+          <a:bodyPr>
+            <a:noAutofit/>
+          </a:bodyPr>
+          <a:lstStyle/>
+          <a:p>
+            <a:pPr>
+              <a:lnSpc>
+                <a:spcPct val="100000"/>
+              </a:lnSpc>
+              <a:spcBef>
+                <a:spcPts val="0"/>
+              </a:spcBef>
+            </a:pPr>
+            <a:r>
+              <a:rPr lang="en-US" sz="2400" b="1" dirty="0">
+                <a:solidFill>
+                  <a:schemeClr val="accent5">
+                    <a:lumMod val="75000"/>
+                  </a:schemeClr>
+                </a:solidFill>
+              </a:rPr>
+              <a:t>	</a:t>
+            </a:r>
+            <a:r>
+              <a:rPr lang="en-US" sz="2800" b="1" dirty="0">
+                <a:solidFill>
+                  <a:schemeClr val="accent5">
+                    <a:lumMod val="75000"/>
+                  </a:schemeClr>
+                </a:solidFill>
+              </a:rPr>
+              <a:t>VIETTEL SEMICONDUCTOR TECHNOLOGY DIVISION</a:t>
+            </a:r>
+            <a:endParaRPr lang="en-US" sz="2800" b="1" dirty="0">
+              <a:solidFill>
+                <a:schemeClr val="accent5">
+                  <a:lumMod val="75000"/>
+                </a:schemeClr>
+              </a:solidFill>
+            </a:endParaRPr>
+          </a:p>
+          <a:p>
+            <a:pPr>
+              <a:lnSpc>
+                <a:spcPct val="150000"/>
+              </a:lnSpc>
+              <a:spcBef>
+                <a:spcPts val="0"/>
+              </a:spcBef>
+            </a:pPr>
+            <a:r>
+              <a:rPr lang="en-US" sz="2800" b="1" dirty="0">
+                <a:solidFill>
+                  <a:srgbClr val="D13B40"/>
+                </a:solidFill>
+              </a:rPr>
+              <a:t>Design System and Develop application Department </a:t>
+            </a:r>
+            <a:endParaRPr lang="en-US" sz="3500" b="1" dirty="0">
+              <a:solidFill>
+                <a:srgbClr val="D13B40"/>
+              </a:solidFill>
+            </a:endParaRPr>
+          </a:p>
+          <a:p>
+            <a:pPr>
+              <a:lnSpc>
+                <a:spcPct val="150000"/>
+              </a:lnSpc>
+              <a:spcBef>
+                <a:spcPts val="0"/>
+              </a:spcBef>
+            </a:pPr>
+            <a:r>
+              <a:rPr lang="en-US" sz="3200" b="1" dirty="0">
+                <a:solidFill>
+                  <a:srgbClr val="D13B40"/>
+                </a:solidFill>
+              </a:rPr>
+              <a:t>Thank you</a:t>
+            </a:r>
+            <a:endParaRPr lang="en-US" b="1" dirty="0">
+              <a:solidFill>
+                <a:srgbClr val="D13B40"/>
+              </a:solidFill>
+            </a:endParaRPr>
+          </a:p>
+          <a:p>
+            <a:pPr>
+              <a:lnSpc>
+                <a:spcPct val="150000"/>
+              </a:lnSpc>
+              <a:spcBef>
+                <a:spcPts val="0"/>
+              </a:spcBef>
+            </a:pPr>
+            <a:r>
+              <a:rPr lang="en-US" sz="1600" b="1" dirty="0"/>
+              <a:t>huannd25@viettel.com.vn</a:t>
+            </a:r>
+            <a:endParaRPr lang="en-US" sz="1600" b="1" dirty="0"/>
+          </a:p>
+        </p:txBody>
+      </p:sp>
+    </p:spTree>
+  </p:cSld>
+  <p:clrMapOvr>
+    <a:masterClrMapping/>
+  </p:clrMapOvr>
+  <mc:AlternateContent xmlns:mc="http://schemas.openxmlformats.org/markup-compatibility/2006">
+    <mc:Choice xmlns:p14="http://schemas.microsoft.com/office/powerpoint/2010/main" Requires="p14">
+      <p:transition spd="med" p14:dur="700">
+        <p:fade/>
+      </p:transition>
+    </mc:Choice>
+    <mc:Fallback>
+      <p:transition spd="med">
+        <p:fade/>
+      </p:transition>
+    </mc:Fallback>
+  </mc:AlternateContent>
+</p:sld>
+</file>
+
 <file path=ppt/slides/slide2.xml><?xml version="1.0" encoding="utf-8"?>
 <p:sld xmlns:a="http://schemas.openxmlformats.org/drawingml/2006/main" xmlns:r="http://schemas.openxmlformats.org/officeDocument/2006/relationships" xmlns:p="http://schemas.openxmlformats.org/presentationml/2006/main">
   <p:cSld>
@@ -4754,7 +4921,7 @@
                 <a:latin typeface="Arial" panose="020B0604020202020204" pitchFamily="34" charset="0"/>
                 <a:cs typeface="Arial" panose="020B0604020202020204" pitchFamily="34" charset="0"/>
               </a:rPr>
-              <a:t>RTL modules after converting to systemC model using vs2c tool are defined in models folder</a:t>
+              <a:t>RTL modules after converting to systemC model using vs2c tool are contained in models folder</a:t>
             </a:r>
             <a:endParaRPr lang="en-US" sz="1400">
               <a:solidFill>
@@ -5256,7 +5423,7 @@
                 <a:latin typeface="Arial" panose="020B0604020202020204" pitchFamily="34" charset="0"/>
                 <a:cs typeface="Arial" panose="020B0604020202020204" pitchFamily="34" charset="0"/>
               </a:rPr>
-              <a:t>Interface of systemC model after convertation process</a:t>
+              <a:t>Interface of systemC model after convertation process by v2sc</a:t>
             </a:r>
             <a:endParaRPr lang="en-US" sz="1400">
               <a:solidFill>
@@ -5281,6 +5448,162 @@
           <a:xfrm>
             <a:off x="3273425" y="2070735"/>
             <a:ext cx="1146175" cy="767715"/>
+          </a:xfrm>
+          <a:prstGeom prst="straightConnector1">
+            <a:avLst/>
+          </a:prstGeom>
+          <a:ln>
+            <a:solidFill>
+              <a:srgbClr val="FF0000"/>
+            </a:solidFill>
+            <a:tailEnd type="arrow"/>
+          </a:ln>
+        </p:spPr>
+        <p:style>
+          <a:lnRef idx="2">
+            <a:schemeClr val="accent1"/>
+          </a:lnRef>
+          <a:fillRef idx="0">
+            <a:srgbClr val="FFFFFF"/>
+          </a:fillRef>
+          <a:effectRef idx="0">
+            <a:srgbClr val="FFFFFF"/>
+          </a:effectRef>
+          <a:fontRef idx="minor">
+            <a:schemeClr val="tx1"/>
+          </a:fontRef>
+        </p:style>
+      </p:cxnSp>
+      <p:sp>
+        <p:nvSpPr>
+          <p:cNvPr id="5" name="Text Box 4"/>
+          <p:cNvSpPr txBox="1"/>
+          <p:nvPr/>
+        </p:nvSpPr>
+        <p:spPr>
+          <a:xfrm>
+            <a:off x="91440" y="4400550"/>
+            <a:ext cx="2669540" cy="260350"/>
+          </a:xfrm>
+          <a:prstGeom prst="rect">
+            <a:avLst/>
+          </a:prstGeom>
+        </p:spPr>
+        <p:txBody>
+          <a:bodyPr wrap="square">
+            <a:spAutoFit/>
+          </a:bodyPr>
+          <a:p>
+            <a:r>
+              <a:rPr sz="1100">
+                <a:latin typeface="Arial" panose="020B0604020202020204" pitchFamily="34" charset="0"/>
+                <a:cs typeface="Arial" panose="020B0604020202020204" pitchFamily="34" charset="0"/>
+                <a:hlinkClick r:id="rId2"/>
+              </a:rPr>
+              <a:t>https://www.mazdak-alborz.com/v2sc</a:t>
+            </a:r>
+            <a:endParaRPr sz="1100">
+              <a:latin typeface="Arial" panose="020B0604020202020204" pitchFamily="34" charset="0"/>
+              <a:cs typeface="Arial" panose="020B0604020202020204" pitchFamily="34" charset="0"/>
+            </a:endParaRPr>
+          </a:p>
+        </p:txBody>
+      </p:sp>
+      <p:sp>
+        <p:nvSpPr>
+          <p:cNvPr id="13" name="Rectangles 12"/>
+          <p:cNvSpPr/>
+          <p:nvPr/>
+        </p:nvSpPr>
+        <p:spPr>
+          <a:xfrm>
+            <a:off x="152400" y="4390390"/>
+            <a:ext cx="2395855" cy="270510"/>
+          </a:xfrm>
+          <a:prstGeom prst="rect">
+            <a:avLst/>
+          </a:prstGeom>
+          <a:ln>
+            <a:solidFill>
+              <a:srgbClr val="FF0000"/>
+            </a:solidFill>
+          </a:ln>
+        </p:spPr>
+        <p:style>
+          <a:lnRef idx="2">
+            <a:schemeClr val="accent1"/>
+          </a:lnRef>
+          <a:fillRef idx="0">
+            <a:srgbClr val="FFFFFF"/>
+          </a:fillRef>
+          <a:effectRef idx="0">
+            <a:srgbClr val="FFFFFF"/>
+          </a:effectRef>
+          <a:fontRef idx="minor">
+            <a:schemeClr val="tx1"/>
+          </a:fontRef>
+        </p:style>
+        <p:txBody>
+          <a:bodyPr rtlCol="0" anchor="ctr"/>
+          <a:p>
+            <a:pPr algn="ctr"/>
+            <a:endParaRPr lang="en-US"/>
+          </a:p>
+        </p:txBody>
+      </p:sp>
+      <p:sp>
+        <p:nvSpPr>
+          <p:cNvPr id="14" name="Text Box 13"/>
+          <p:cNvSpPr txBox="1"/>
+          <p:nvPr/>
+        </p:nvSpPr>
+        <p:spPr>
+          <a:xfrm>
+            <a:off x="152400" y="3257550"/>
+            <a:ext cx="2892425" cy="521970"/>
+          </a:xfrm>
+          <a:prstGeom prst="rect">
+            <a:avLst/>
+          </a:prstGeom>
+          <a:noFill/>
+        </p:spPr>
+        <p:txBody>
+          <a:bodyPr wrap="square" rtlCol="0">
+            <a:spAutoFit/>
+          </a:bodyPr>
+          <a:p>
+            <a:r>
+              <a:rPr lang="en-US" sz="1400">
+                <a:solidFill>
+                  <a:srgbClr val="FF0000"/>
+                </a:solidFill>
+                <a:latin typeface="Arial" panose="020B0604020202020204" pitchFamily="34" charset="0"/>
+                <a:cs typeface="Arial" panose="020B0604020202020204" pitchFamily="34" charset="0"/>
+              </a:rPr>
+              <a:t>Please following this link for more information about v2sc tool</a:t>
+            </a:r>
+            <a:endParaRPr lang="en-US" sz="1400">
+              <a:solidFill>
+                <a:srgbClr val="FF0000"/>
+              </a:solidFill>
+              <a:latin typeface="Arial" panose="020B0604020202020204" pitchFamily="34" charset="0"/>
+              <a:cs typeface="Arial" panose="020B0604020202020204" pitchFamily="34" charset="0"/>
+            </a:endParaRPr>
+          </a:p>
+        </p:txBody>
+      </p:sp>
+      <p:cxnSp>
+        <p:nvCxnSpPr>
+          <p:cNvPr id="15" name="Straight Arrow Connector 14"/>
+          <p:cNvCxnSpPr>
+            <a:stCxn id="14" idx="2"/>
+          </p:cNvCxnSpPr>
+          <p:nvPr/>
+        </p:nvCxnSpPr>
+        <p:spPr>
+          <a:xfrm>
+            <a:off x="1598930" y="3779520"/>
+            <a:ext cx="1270" cy="621030"/>
           </a:xfrm>
           <a:prstGeom prst="straightConnector1">
             <a:avLst/>
